--- a/Documentation/GPS Jamming Presentation.pptx
+++ b/Documentation/GPS Jamming Presentation.pptx
@@ -17,9 +17,9 @@
     <p:sldId id="266" r:id="rId6"/>
     <p:sldId id="260" r:id="rId7"/>
     <p:sldId id="261" r:id="rId8"/>
-    <p:sldId id="262" r:id="rId9"/>
-    <p:sldId id="263" r:id="rId10"/>
-    <p:sldId id="264" r:id="rId11"/>
+    <p:sldId id="263" r:id="rId9"/>
+    <p:sldId id="264" r:id="rId10"/>
+    <p:sldId id="267" r:id="rId11"/>
   </p:sldIdLst>
   <p:sldSz cx="9144000" cy="6858000" type="screen4x3"/>
   <p:notesSz cx="6858000" cy="9144000"/>
@@ -4520,7 +4520,7 @@
                 <a:latin typeface="Times New Roman" panose="02020603050405020304" pitchFamily="18" charset="0"/>
                 <a:cs typeface="Times New Roman" panose="02020603050405020304" pitchFamily="18" charset="0"/>
               </a:rPr>
-              <a:t>Bandwidth </a:t>
+              <a:t>Protected Bandwidth </a:t>
             </a:r>
             <a:r>
               <a:rPr lang="en-US" sz="2000" dirty="0">
@@ -4678,13 +4678,7 @@
           <a:p>
             <a:r>
               <a:rPr lang="en-US" dirty="0" smtClean="0"/>
-              <a:t>Triangle Wave Jamming</a:t>
-            </a:r>
-          </a:p>
-          <a:p>
-            <a:r>
-              <a:rPr lang="en-US" dirty="0" smtClean="0"/>
-              <a:t>Saw Wave Jamming</a:t>
+              <a:t>Chirp Jamming</a:t>
             </a:r>
           </a:p>
           <a:p>
@@ -4694,6 +4688,10 @@
             </a:r>
           </a:p>
           <a:p>
+            <a:r>
+              <a:rPr lang="en-US" dirty="0" smtClean="0"/>
+              <a:t>Unintentional</a:t>
+            </a:r>
             <a:endParaRPr lang="en-US" dirty="0"/>
           </a:p>
         </p:txBody>
@@ -4770,7 +4768,7 @@
           <a:p>
             <a:r>
               <a:rPr lang="en-US" sz="2000" dirty="0" smtClean="0"/>
-              <a:t>Noise in the L1 band (1575.42MHz ± 20.46 MHz)</a:t>
+              <a:t>Noise in the L1 band (1575.42MHz ± 10.23 MHz)</a:t>
             </a:r>
             <a:endParaRPr lang="en-US" sz="2000" dirty="0"/>
           </a:p>
@@ -4789,10 +4787,6 @@
             </a:r>
           </a:p>
           <a:p>
-            <a:r>
-              <a:rPr lang="en-US" sz="2000" dirty="0" smtClean="0"/>
-              <a:t>Minimum bandwidth needed to jam a GPS </a:t>
-            </a:r>
             <a:endParaRPr lang="en-US" sz="2000" dirty="0"/>
           </a:p>
         </p:txBody>
@@ -4874,11 +4868,14 @@
           <a:p>
             <a:r>
               <a:rPr lang="en-US" sz="2000" dirty="0" smtClean="0"/>
-              <a:t>CW bandwidth ≤ 100Khz </a:t>
-            </a:r>
-            <a:endParaRPr lang="en-US" sz="2000" dirty="0"/>
-          </a:p>
-          <a:p>
+              <a:t>Oscillator within the L1 protected band.</a:t>
+            </a:r>
+          </a:p>
+          <a:p>
+            <a:r>
+              <a:rPr lang="en-US" sz="2000" dirty="0" smtClean="0"/>
+              <a:t>Bandwidth grater than 30 KHz</a:t>
+            </a:r>
             <a:endParaRPr lang="en-US" sz="2000" dirty="0"/>
           </a:p>
         </p:txBody>
@@ -4907,6 +4904,36 @@
           <a:xfrm>
             <a:off x="5982494" y="3299808"/>
             <a:ext cx="2551906" cy="2872392"/>
+          </a:xfrm>
+          <a:prstGeom prst="rect">
+            <a:avLst/>
+          </a:prstGeom>
+        </p:spPr>
+      </p:pic>
+      <p:pic>
+        <p:nvPicPr>
+          <p:cNvPr id="5" name="Picture 4"/>
+          <p:cNvPicPr>
+            <a:picLocks noChangeAspect="1"/>
+          </p:cNvPicPr>
+          <p:nvPr/>
+        </p:nvPicPr>
+        <p:blipFill>
+          <a:blip r:embed="rId3" cstate="print">
+            <a:extLst>
+              <a:ext uri="{28A0092B-C50C-407E-A947-70E740481C1C}">
+                <a14:useLocalDpi xmlns:a14="http://schemas.microsoft.com/office/drawing/2010/main" val="0"/>
+              </a:ext>
+            </a:extLst>
+          </a:blip>
+          <a:stretch>
+            <a:fillRect/>
+          </a:stretch>
+        </p:blipFill>
+        <p:spPr>
+          <a:xfrm>
+            <a:off x="1639094" y="3299808"/>
+            <a:ext cx="4343400" cy="2901255"/>
           </a:xfrm>
           <a:prstGeom prst="rect">
             <a:avLst/>
@@ -5061,9 +5088,10 @@
           <a:lstStyle/>
           <a:p>
             <a:r>
-              <a:rPr lang="en-US" dirty="0"/>
-              <a:t>Triangle Wave Jamming</a:t>
-            </a:r>
+              <a:rPr lang="en-US" dirty="0" smtClean="0"/>
+              <a:t>Chirp Jamming</a:t>
+            </a:r>
+            <a:endParaRPr lang="en-US" dirty="0"/>
           </a:p>
         </p:txBody>
       </p:sp>
@@ -5082,14 +5110,47 @@
           <a:bodyPr/>
           <a:lstStyle/>
           <a:p>
-            <a:endParaRPr lang="en-US"/>
-          </a:p>
-        </p:txBody>
-      </p:sp>
+            <a:endParaRPr lang="en-US" dirty="0" smtClean="0"/>
+          </a:p>
+          <a:p>
+            <a:endParaRPr lang="en-US" dirty="0"/>
+          </a:p>
+        </p:txBody>
+      </p:sp>
+      <p:pic>
+        <p:nvPicPr>
+          <p:cNvPr id="4" name="Picture 3"/>
+          <p:cNvPicPr>
+            <a:picLocks noChangeAspect="1"/>
+          </p:cNvPicPr>
+          <p:nvPr/>
+        </p:nvPicPr>
+        <p:blipFill>
+          <a:blip r:embed="rId2">
+            <a:extLst>
+              <a:ext uri="{28A0092B-C50C-407E-A947-70E740481C1C}">
+                <a14:useLocalDpi xmlns:a14="http://schemas.microsoft.com/office/drawing/2010/main" val="0"/>
+              </a:ext>
+            </a:extLst>
+          </a:blip>
+          <a:stretch>
+            <a:fillRect/>
+          </a:stretch>
+        </p:blipFill>
+        <p:spPr>
+          <a:xfrm>
+            <a:off x="3124200" y="1849049"/>
+            <a:ext cx="4267200" cy="3789751"/>
+          </a:xfrm>
+          <a:prstGeom prst="rect">
+            <a:avLst/>
+          </a:prstGeom>
+        </p:spPr>
+      </p:pic>
     </p:spTree>
     <p:extLst>
       <p:ext uri="{BB962C8B-B14F-4D97-AF65-F5344CB8AC3E}">
-        <p14:creationId xmlns:p14="http://schemas.microsoft.com/office/powerpoint/2010/main" val="2937312193"/>
+        <p14:creationId xmlns:p14="http://schemas.microsoft.com/office/powerpoint/2010/main" val="2110548849"/>
       </p:ext>
     </p:extLst>
   </p:cSld>
@@ -5140,39 +5201,44 @@
           <a:p>
             <a:r>
               <a:rPr lang="en-US" dirty="0"/>
-              <a:t>Saw Wave </a:t>
-            </a:r>
-            <a:r>
-              <a:rPr lang="en-US" dirty="0" smtClean="0"/>
-              <a:t>Jamming</a:t>
-            </a:r>
-            <a:endParaRPr lang="en-US" dirty="0"/>
-          </a:p>
-        </p:txBody>
-      </p:sp>
-      <p:sp>
-        <p:nvSpPr>
-          <p:cNvPr id="3" name="Content Placeholder 2"/>
-          <p:cNvSpPr>
-            <a:spLocks noGrp="1"/>
-          </p:cNvSpPr>
+              <a:t>Harmonic Jamming</a:t>
+            </a:r>
+          </a:p>
+        </p:txBody>
+      </p:sp>
+      <p:pic>
+        <p:nvPicPr>
+          <p:cNvPr id="6" name="Content Placeholder 5"/>
+          <p:cNvPicPr>
+            <a:picLocks noGrp="1" noChangeAspect="1"/>
+          </p:cNvPicPr>
           <p:nvPr>
             <p:ph idx="1"/>
           </p:nvPr>
-        </p:nvSpPr>
-        <p:spPr/>
-        <p:txBody>
-          <a:bodyPr/>
-          <a:lstStyle/>
-          <a:p>
-            <a:endParaRPr lang="en-US"/>
-          </a:p>
-        </p:txBody>
-      </p:sp>
+        </p:nvPicPr>
+        <p:blipFill>
+          <a:blip r:embed="rId2">
+            <a:extLst>
+              <a:ext uri="{28A0092B-C50C-407E-A947-70E740481C1C}">
+                <a14:useLocalDpi xmlns:a14="http://schemas.microsoft.com/office/drawing/2010/main" val="0"/>
+              </a:ext>
+            </a:extLst>
+          </a:blip>
+          <a:stretch>
+            <a:fillRect/>
+          </a:stretch>
+        </p:blipFill>
+        <p:spPr>
+          <a:xfrm>
+            <a:off x="2286000" y="1685032"/>
+            <a:ext cx="6248400" cy="4173735"/>
+          </a:xfrm>
+        </p:spPr>
+      </p:pic>
     </p:spTree>
     <p:extLst>
       <p:ext uri="{BB962C8B-B14F-4D97-AF65-F5344CB8AC3E}">
-        <p14:creationId xmlns:p14="http://schemas.microsoft.com/office/powerpoint/2010/main" val="2110548849"/>
+        <p14:creationId xmlns:p14="http://schemas.microsoft.com/office/powerpoint/2010/main" val="409337579"/>
       </p:ext>
     </p:extLst>
   </p:cSld>
@@ -5222,9 +5288,10 @@
           <a:lstStyle/>
           <a:p>
             <a:r>
-              <a:rPr lang="en-US" dirty="0"/>
-              <a:t>Harmonic Jamming</a:t>
-            </a:r>
+              <a:rPr lang="en-US" dirty="0" smtClean="0"/>
+              <a:t>Unintentional Jamming</a:t>
+            </a:r>
+            <a:endParaRPr lang="en-US" dirty="0"/>
           </a:p>
         </p:txBody>
       </p:sp>
@@ -5243,6 +5310,16 @@
           <a:bodyPr/>
           <a:lstStyle/>
           <a:p>
+            <a:r>
+              <a:rPr lang="en-US" dirty="0" smtClean="0"/>
+              <a:t>Poor Hardware that unintentionally transmits RF signals</a:t>
+            </a:r>
+          </a:p>
+          <a:p>
+            <a:r>
+              <a:rPr lang="en-US" dirty="0" smtClean="0"/>
+              <a:t>Under filtered RF transmitters </a:t>
+            </a:r>
             <a:endParaRPr lang="en-US" dirty="0"/>
           </a:p>
         </p:txBody>
@@ -5250,7 +5327,7 @@
     </p:spTree>
     <p:extLst>
       <p:ext uri="{BB962C8B-B14F-4D97-AF65-F5344CB8AC3E}">
-        <p14:creationId xmlns:p14="http://schemas.microsoft.com/office/powerpoint/2010/main" val="409337579"/>
+        <p14:creationId xmlns:p14="http://schemas.microsoft.com/office/powerpoint/2010/main" val="2660647820"/>
       </p:ext>
     </p:extLst>
   </p:cSld>
